--- a/第1节课/01ppt/P1-1第一节.pptx
+++ b/第1节课/01ppt/P1-1第一节.pptx
@@ -14959,9 +14959,76 @@
           </a:p>
         </p:txBody>
       </p:sp>
+      <p:sp>
+        <p:nvSpPr>
+          <p:cNvPr id="3" name="文本框 2"/>
+          <p:cNvSpPr txBox="1"/>
+          <p:nvPr/>
+        </p:nvSpPr>
+        <p:spPr>
+          <a:xfrm>
+            <a:off x="1416050" y="2111375"/>
+            <a:ext cx="8811260" cy="2030095"/>
+          </a:xfrm>
+          <a:prstGeom prst="rect">
+            <a:avLst/>
+          </a:prstGeom>
+          <a:noFill/>
+        </p:spPr>
+        <p:txBody>
+          <a:bodyPr wrap="square" rtlCol="0">
+            <a:spAutoFit/>
+          </a:bodyPr>
+          <a:p>
+            <a:r>
+              <a:rPr lang="zh-CN" altLang="en-US" sz="2400"/>
+              <a:t>启动项目后，用语音控制熊猫运动。</a:t>
+            </a:r>
+            <a:endParaRPr lang="zh-CN" altLang="en-US" sz="2400"/>
+          </a:p>
+          <a:p>
+            <a:endParaRPr lang="zh-CN" altLang="en-US"/>
+          </a:p>
+          <a:p>
+            <a:pPr marL="285750" indent="-285750">
+              <a:buFont typeface="Arial" panose="020B0604020202020204" pitchFamily="34" charset="0"/>
+              <a:buChar char="•"/>
+            </a:pPr>
+            <a:r>
+              <a:rPr lang="zh-CN" altLang="en-US" sz="2800">
+                <a:sym typeface="+mn-ea"/>
+              </a:rPr>
+              <a:t>编程思想</a:t>
+            </a:r>
+            <a:endParaRPr lang="zh-CN" altLang="en-US" sz="2800"/>
+          </a:p>
+          <a:p>
+            <a:pPr marL="285750" indent="-285750">
+              <a:buFont typeface="Arial" panose="020B0604020202020204" pitchFamily="34" charset="0"/>
+              <a:buChar char="•"/>
+            </a:pPr>
+            <a:r>
+              <a:rPr lang="zh-CN" altLang="en-US" sz="2800"/>
+              <a:t>语音识别</a:t>
+            </a:r>
+            <a:endParaRPr lang="zh-CN" altLang="en-US" sz="2800"/>
+          </a:p>
+          <a:p>
+            <a:pPr marL="285750" indent="-285750">
+              <a:buFont typeface="Arial" panose="020B0604020202020204" pitchFamily="34" charset="0"/>
+              <a:buChar char="•"/>
+            </a:pPr>
+            <a:r>
+              <a:rPr lang="zh-CN" altLang="en-US" sz="2800"/>
+              <a:t>图像界面</a:t>
+            </a:r>
+            <a:endParaRPr lang="zh-CN" altLang="en-US" sz="2800"/>
+          </a:p>
+        </p:txBody>
+      </p:sp>
       <p:pic>
         <p:nvPicPr>
-          <p:cNvPr id="2" name="图片 1" descr="2019-11-14_141512"/>
+          <p:cNvPr id="4" name="图片 3" descr="2019-11-16_174604"/>
           <p:cNvPicPr>
             <a:picLocks noChangeAspect="1"/>
           </p:cNvPicPr>
@@ -14975,81 +15042,14 @@
         </p:blipFill>
         <p:spPr>
           <a:xfrm>
-            <a:off x="3945890" y="1260475"/>
-            <a:ext cx="1990725" cy="1695450"/>
+            <a:off x="6759575" y="1878330"/>
+            <a:ext cx="3829050" cy="2914650"/>
           </a:xfrm>
           <a:prstGeom prst="rect">
             <a:avLst/>
           </a:prstGeom>
         </p:spPr>
       </p:pic>
-      <p:sp>
-        <p:nvSpPr>
-          <p:cNvPr id="3" name="文本框 2"/>
-          <p:cNvSpPr txBox="1"/>
-          <p:nvPr/>
-        </p:nvSpPr>
-        <p:spPr>
-          <a:xfrm>
-            <a:off x="1334770" y="2955925"/>
-            <a:ext cx="8811260" cy="2030095"/>
-          </a:xfrm>
-          <a:prstGeom prst="rect">
-            <a:avLst/>
-          </a:prstGeom>
-          <a:noFill/>
-        </p:spPr>
-        <p:txBody>
-          <a:bodyPr wrap="square" rtlCol="0">
-            <a:spAutoFit/>
-          </a:bodyPr>
-          <a:p>
-            <a:r>
-              <a:rPr lang="zh-CN" altLang="en-US" sz="2400"/>
-              <a:t>启动项目后，用语音控制小乌龟运动。</a:t>
-            </a:r>
-            <a:endParaRPr lang="zh-CN" altLang="en-US" sz="2400"/>
-          </a:p>
-          <a:p>
-            <a:endParaRPr lang="zh-CN" altLang="en-US"/>
-          </a:p>
-          <a:p>
-            <a:pPr marL="285750" indent="-285750">
-              <a:buFont typeface="Arial" panose="020B0604020202020204" pitchFamily="34" charset="0"/>
-              <a:buChar char="•"/>
-            </a:pPr>
-            <a:r>
-              <a:rPr lang="zh-CN" altLang="en-US" sz="2800">
-                <a:sym typeface="+mn-ea"/>
-              </a:rPr>
-              <a:t>编程思想</a:t>
-            </a:r>
-            <a:endParaRPr lang="zh-CN" altLang="en-US" sz="2800"/>
-          </a:p>
-          <a:p>
-            <a:pPr marL="285750" indent="-285750">
-              <a:buFont typeface="Arial" panose="020B0604020202020204" pitchFamily="34" charset="0"/>
-              <a:buChar char="•"/>
-            </a:pPr>
-            <a:r>
-              <a:rPr lang="zh-CN" altLang="en-US" sz="2800"/>
-              <a:t>语音识别</a:t>
-            </a:r>
-            <a:endParaRPr lang="zh-CN" altLang="en-US" sz="2800"/>
-          </a:p>
-          <a:p>
-            <a:pPr marL="285750" indent="-285750">
-              <a:buFont typeface="Arial" panose="020B0604020202020204" pitchFamily="34" charset="0"/>
-              <a:buChar char="•"/>
-            </a:pPr>
-            <a:r>
-              <a:rPr lang="zh-CN" altLang="en-US" sz="2800"/>
-              <a:t>图像界面</a:t>
-            </a:r>
-            <a:endParaRPr lang="zh-CN" altLang="en-US" sz="2800"/>
-          </a:p>
-        </p:txBody>
-      </p:sp>
     </p:spTree>
   </p:cSld>
   <p:clrMapOvr>
@@ -18443,7 +18443,7 @@
         <p:spPr>
           <a:xfrm>
             <a:off x="3016250" y="731520"/>
-            <a:ext cx="6678295" cy="4246245"/>
+            <a:ext cx="6678295" cy="3507740"/>
           </a:xfrm>
           <a:prstGeom prst="rect">
             <a:avLst/>
@@ -18468,7 +18468,7 @@
                   <a:schemeClr val="tx1"/>
                 </a:solidFill>
               </a:rPr>
-              <a:t>程序就是用来处理数据的，而变量就是用来存储数据的。</a:t>
+              <a:t>变量就是用来存储数据的。</a:t>
             </a:r>
             <a:endParaRPr lang="zh-CN" altLang="zh-CN" sz="2000" dirty="0"/>
           </a:p>
@@ -18500,78 +18500,32 @@
               <a:rPr lang="zh-CN" altLang="zh-CN" sz="2000" dirty="0">
                 <a:sym typeface="+mn-ea"/>
               </a:rPr>
-              <a:t>字母可以是大写或小写，但大小写是不同的。也就是说</a:t>
+              <a:t>等号（</a:t>
             </a:r>
             <a:r>
               <a:rPr lang="en-US" altLang="zh-CN" sz="2000" dirty="0">
                 <a:sym typeface="+mn-ea"/>
               </a:rPr>
-              <a:t>fa</a:t>
+              <a:t>=</a:t>
             </a:r>
             <a:r>
               <a:rPr lang="zh-CN" altLang="zh-CN" sz="2000" dirty="0">
                 <a:sym typeface="+mn-ea"/>
               </a:rPr>
-              <a:t>和</a:t>
-            </a:r>
-            <a:r>
-              <a:rPr lang="en-US" altLang="zh-CN" sz="2000" dirty="0">
-                <a:sym typeface="+mn-ea"/>
-              </a:rPr>
-              <a:t>Fa</a:t>
-            </a:r>
-            <a:r>
-              <a:rPr lang="zh-CN" altLang="zh-CN" sz="2000" dirty="0">
-                <a:sym typeface="+mn-ea"/>
-              </a:rPr>
-              <a:t>对于</a:t>
-            </a:r>
-            <a:r>
-              <a:rPr lang="en-US" altLang="zh-CN" sz="2000" dirty="0">
-                <a:sym typeface="+mn-ea"/>
-              </a:rPr>
-              <a:t>Python</a:t>
-            </a:r>
-            <a:r>
-              <a:rPr lang="zh-CN" altLang="zh-CN" sz="2000" dirty="0">
-                <a:sym typeface="+mn-ea"/>
-              </a:rPr>
-              <a:t>来说是完全不同的两个变量</a:t>
-            </a:r>
-            <a:r>
-              <a:rPr lang="zh-CN" altLang="zh-CN" sz="2000" dirty="0">
-                <a:sym typeface="+mn-ea"/>
-              </a:rPr>
-              <a:t>名字。</a:t>
-            </a:r>
-            <a:endParaRPr lang="zh-CN" altLang="zh-CN" sz="2000" dirty="0"/>
-          </a:p>
-          <a:p>
-            <a:pPr marL="342900" indent="-342900">
+              <a:t>）是赋值的意思，左边是名字，右边是值，不可写反。</a:t>
+            </a:r>
+            <a:endParaRPr lang="zh-CN" altLang="zh-CN" sz="2000" dirty="0">
+              <a:sym typeface="+mn-ea"/>
+            </a:endParaRPr>
+          </a:p>
+          <a:p>
+            <a:pPr marL="0" indent="0">
               <a:lnSpc>
                 <a:spcPct val="120000"/>
               </a:lnSpc>
               <a:buFont typeface="Arial" panose="020B0604020202020204" pitchFamily="34" charset="0"/>
-              <a:buChar char="•"/>
+              <a:buNone/>
             </a:pPr>
-            <a:r>
-              <a:rPr lang="zh-CN" altLang="zh-CN" sz="2000" dirty="0">
-                <a:sym typeface="+mn-ea"/>
-              </a:rPr>
-              <a:t>等号（</a:t>
-            </a:r>
-            <a:r>
-              <a:rPr lang="en-US" altLang="zh-CN" sz="2000" dirty="0">
-                <a:sym typeface="+mn-ea"/>
-              </a:rPr>
-              <a:t>=</a:t>
-            </a:r>
-            <a:r>
-              <a:rPr lang="zh-CN" altLang="zh-CN" sz="2000" dirty="0">
-                <a:sym typeface="+mn-ea"/>
-              </a:rPr>
-              <a:t>）是赋值的意思，左边是名字，右边是值，不可写反。</a:t>
-            </a:r>
             <a:endParaRPr lang="zh-CN" altLang="zh-CN" sz="2000" dirty="0">
               <a:sym typeface="+mn-ea"/>
             </a:endParaRPr>
@@ -18599,28 +18553,6 @@
                 </a:solidFill>
               </a:rPr>
               <a:t>变量名 = 值</a:t>
-            </a:r>
-            <a:endParaRPr lang="zh-CN" altLang="en-US" sz="2000">
-              <a:solidFill>
-                <a:schemeClr val="tx1"/>
-              </a:solidFill>
-            </a:endParaRPr>
-          </a:p>
-          <a:p>
-            <a:pPr indent="0">
-              <a:lnSpc>
-                <a:spcPct val="120000"/>
-              </a:lnSpc>
-              <a:buFont typeface="Arial" panose="020B0604020202020204" pitchFamily="34" charset="0"/>
-              <a:buNone/>
-            </a:pPr>
-            <a:r>
-              <a:rPr lang="zh-CN" altLang="en-US" sz="2000">
-                <a:solidFill>
-                  <a:schemeClr val="tx1"/>
-                </a:solidFill>
-              </a:rPr>
-              <a:t>     例如：</a:t>
             </a:r>
             <a:endParaRPr lang="zh-CN" altLang="en-US" sz="2000">
               <a:solidFill>
@@ -19045,7 +18977,7 @@
         <p:spPr>
           <a:xfrm>
             <a:off x="4176395" y="1536700"/>
-            <a:ext cx="5589905" cy="1938020"/>
+            <a:ext cx="5589905" cy="2491740"/>
           </a:xfrm>
           <a:prstGeom prst="rect">
             <a:avLst/>
@@ -19083,49 +19015,97 @@
               </a:lnSpc>
             </a:pPr>
             <a:r>
+              <a:rPr lang="zh-CN" altLang="en-US" sz="2000">
+                <a:sym typeface="+mn-ea"/>
+              </a:rPr>
+              <a:t>例</a:t>
+            </a:r>
+            <a:r>
               <a:rPr lang="en-US" altLang="zh-CN" sz="2000">
                 <a:sym typeface="+mn-ea"/>
               </a:rPr>
-              <a:t>a=5</a:t>
-            </a:r>
-            <a:endParaRPr lang="en-US" altLang="zh-CN" sz="2000">
-              <a:solidFill>
-                <a:schemeClr val="tx1"/>
-              </a:solidFill>
-            </a:endParaRPr>
-          </a:p>
-          <a:p>
-            <a:pPr>
-              <a:lnSpc>
-                <a:spcPct val="150000"/>
-              </a:lnSpc>
-            </a:pPr>
-            <a:r>
-              <a:rPr lang="en-US" altLang="zh-CN" sz="2000">
+              <a:t>1</a:t>
+            </a:r>
+            <a:r>
+              <a:rPr lang="zh-CN" altLang="en-US" sz="2000">
                 <a:sym typeface="+mn-ea"/>
               </a:rPr>
-              <a:t>b=3</a:t>
+              <a:t>：</a:t>
             </a:r>
             <a:endParaRPr lang="en-US" altLang="zh-CN" sz="2000">
               <a:sym typeface="+mn-ea"/>
             </a:endParaRPr>
           </a:p>
           <a:p>
-            <a:pPr>
+            <a:pPr indent="0">
               <a:lnSpc>
-                <a:spcPct val="150000"/>
+                <a:spcPct val="120000"/>
               </a:lnSpc>
+              <a:buFont typeface="Arial" panose="020B0604020202020204" pitchFamily="34" charset="0"/>
+              <a:buNone/>
             </a:pPr>
             <a:r>
-              <a:rPr lang="en-US" altLang="zh-CN" sz="2000">
+              <a:rPr sz="2000">
                 <a:sym typeface="+mn-ea"/>
               </a:rPr>
-              <a:t>print(a+b)</a:t>
-            </a:r>
-            <a:endParaRPr lang="en-US" altLang="zh-CN" sz="2000">
-              <a:solidFill>
-                <a:schemeClr val="tx1"/>
-              </a:solidFill>
+              <a:t>   name="小明"</a:t>
+            </a:r>
+            <a:endParaRPr sz="2000">
+              <a:sym typeface="+mn-ea"/>
+            </a:endParaRPr>
+          </a:p>
+          <a:p>
+            <a:pPr indent="0">
+              <a:lnSpc>
+                <a:spcPct val="120000"/>
+              </a:lnSpc>
+              <a:buFont typeface="Arial" panose="020B0604020202020204" pitchFamily="34" charset="0"/>
+              <a:buNone/>
+            </a:pPr>
+            <a:r>
+              <a:rPr sz="2000">
+                <a:sym typeface="+mn-ea"/>
+              </a:rPr>
+              <a:t>   age=10</a:t>
+            </a:r>
+            <a:endParaRPr sz="2000">
+              <a:sym typeface="+mn-ea"/>
+            </a:endParaRPr>
+          </a:p>
+          <a:p>
+            <a:pPr indent="0">
+              <a:lnSpc>
+                <a:spcPct val="120000"/>
+              </a:lnSpc>
+              <a:buFont typeface="Arial" panose="020B0604020202020204" pitchFamily="34" charset="0"/>
+              <a:buNone/>
+            </a:pPr>
+            <a:r>
+              <a:rPr sz="2000">
+                <a:sym typeface="+mn-ea"/>
+              </a:rPr>
+              <a:t>   print(name)</a:t>
+            </a:r>
+            <a:endParaRPr sz="2000">
+              <a:sym typeface="+mn-ea"/>
+            </a:endParaRPr>
+          </a:p>
+          <a:p>
+            <a:pPr indent="0">
+              <a:lnSpc>
+                <a:spcPct val="120000"/>
+              </a:lnSpc>
+              <a:buFont typeface="Arial" panose="020B0604020202020204" pitchFamily="34" charset="0"/>
+              <a:buNone/>
+            </a:pPr>
+            <a:r>
+              <a:rPr sz="2000">
+                <a:sym typeface="+mn-ea"/>
+              </a:rPr>
+              <a:t>   print(age)</a:t>
+            </a:r>
+            <a:endParaRPr sz="2000">
+              <a:sym typeface="+mn-ea"/>
             </a:endParaRPr>
           </a:p>
         </p:txBody>
@@ -19541,7 +19521,7 @@
         <p:spPr>
           <a:xfrm>
             <a:off x="5028565" y="3487420"/>
-            <a:ext cx="4133215" cy="1476375"/>
+            <a:ext cx="4133215" cy="1753235"/>
           </a:xfrm>
           <a:prstGeom prst="rect">
             <a:avLst/>
@@ -19564,6 +19544,35 @@
                 </a:solidFill>
               </a:rPr>
               <a:t>参考代码如下：</a:t>
+            </a:r>
+            <a:endParaRPr lang="zh-CN" altLang="en-US">
+              <a:solidFill>
+                <a:schemeClr val="tx1"/>
+              </a:solidFill>
+            </a:endParaRPr>
+          </a:p>
+          <a:p>
+            <a:pPr marL="0" indent="0">
+              <a:buFont typeface="Wingdings" panose="05000000000000000000" charset="0"/>
+              <a:buNone/>
+            </a:pPr>
+            <a:r>
+              <a:rPr lang="zh-CN" altLang="en-US">
+                <a:sym typeface="+mn-ea"/>
+              </a:rPr>
+              <a:t>例</a:t>
+            </a:r>
+            <a:r>
+              <a:rPr lang="en-US" altLang="zh-CN">
+                <a:sym typeface="+mn-ea"/>
+              </a:rPr>
+              <a:t>2</a:t>
+            </a:r>
+            <a:r>
+              <a:rPr lang="zh-CN" altLang="en-US">
+                <a:sym typeface="+mn-ea"/>
+              </a:rPr>
+              <a:t>：</a:t>
             </a:r>
             <a:endParaRPr lang="zh-CN" altLang="en-US">
               <a:solidFill>
@@ -21913,7 +21922,7 @@
         <p:spPr>
           <a:xfrm>
             <a:off x="3161030" y="1093470"/>
-            <a:ext cx="5913755" cy="2861310"/>
+            <a:ext cx="5913755" cy="3322955"/>
           </a:xfrm>
           <a:prstGeom prst="rect">
             <a:avLst/>
@@ -22190,6 +22199,47 @@
                 <a:sym typeface="+mn-ea"/>
               </a:rPr>
               <a:t>     示例代码如下：</a:t>
+            </a:r>
+            <a:endParaRPr lang="zh-CN" sz="2000">
+              <a:solidFill>
+                <a:srgbClr val="0070C0"/>
+              </a:solidFill>
+              <a:effectLst>
+                <a:outerShdw blurRad="38100" dist="25400" dir="5400000" algn="ctr" rotWithShape="0">
+                  <a:srgbClr val="6E747A">
+                    <a:alpha val="43000"/>
+                  </a:srgbClr>
+                </a:outerShdw>
+              </a:effectLst>
+              <a:latin typeface="微软雅黑" panose="020B0503020204020204" pitchFamily="34" charset="-122"/>
+              <a:ea typeface="微软雅黑" panose="020B0503020204020204" pitchFamily="34" charset="-122"/>
+              <a:cs typeface="微软雅黑" panose="020B0503020204020204" pitchFamily="34" charset="-122"/>
+              <a:sym typeface="+mn-ea"/>
+            </a:endParaRPr>
+          </a:p>
+          <a:p>
+            <a:pPr algn="l">
+              <a:lnSpc>
+                <a:spcPct val="150000"/>
+              </a:lnSpc>
+            </a:pPr>
+            <a:r>
+              <a:rPr lang="zh-CN" altLang="en-US" sz="2000">
+                <a:sym typeface="+mn-ea"/>
+              </a:rPr>
+              <a:t>      例</a:t>
+            </a:r>
+            <a:r>
+              <a:rPr lang="en-US" altLang="zh-CN" sz="2000">
+                <a:sym typeface="+mn-ea"/>
+              </a:rPr>
+              <a:t>3</a:t>
+            </a:r>
+            <a:r>
+              <a:rPr lang="zh-CN" altLang="en-US" sz="2000">
+                <a:sym typeface="+mn-ea"/>
+              </a:rPr>
+              <a:t>：</a:t>
             </a:r>
             <a:endParaRPr sz="2000">
               <a:solidFill>
@@ -22735,23 +22785,22 @@
               </a:lnSpc>
             </a:pPr>
             <a:r>
-              <a:rPr lang="zh-CN" sz="2000">
-                <a:solidFill>
-                  <a:srgbClr val="0070C0"/>
-                </a:solidFill>
-                <a:effectLst>
-                  <a:outerShdw blurRad="38100" dist="25400" dir="5400000" algn="ctr" rotWithShape="0">
-                    <a:srgbClr val="6E747A">
-                      <a:alpha val="43000"/>
-                    </a:srgbClr>
-                  </a:outerShdw>
-                </a:effectLst>
-                <a:latin typeface="微软雅黑" panose="020B0503020204020204" pitchFamily="34" charset="-122"/>
-                <a:ea typeface="微软雅黑" panose="020B0503020204020204" pitchFamily="34" charset="-122"/>
-                <a:cs typeface="微软雅黑" panose="020B0503020204020204" pitchFamily="34" charset="-122"/>
+              <a:rPr lang="zh-CN" altLang="en-US" sz="2000">
                 <a:sym typeface="+mn-ea"/>
               </a:rPr>
-              <a:t>     示例代码如下：</a:t>
+              <a:t>例</a:t>
+            </a:r>
+            <a:r>
+              <a:rPr lang="en-US" altLang="zh-CN" sz="2000">
+                <a:sym typeface="+mn-ea"/>
+              </a:rPr>
+              <a:t>4</a:t>
+            </a:r>
+            <a:r>
+              <a:rPr lang="zh-CN" altLang="en-US" sz="2000">
+                <a:sym typeface="+mn-ea"/>
+              </a:rPr>
+              <a:t>：</a:t>
             </a:r>
             <a:endParaRPr sz="2000">
               <a:solidFill>
@@ -22778,28 +22827,6 @@
             </a:pPr>
             <a:r>
               <a:rPr sz="2000">
-                <a:solidFill>
-                  <a:srgbClr val="FF0000"/>
-                </a:solidFill>
-                <a:effectLst>
-                  <a:outerShdw blurRad="38100" dist="25400" dir="5400000" algn="ctr" rotWithShape="0">
-                    <a:srgbClr val="6E747A">
-                      <a:alpha val="43000"/>
-                    </a:srgbClr>
-                  </a:outerShdw>
-                </a:effectLst>
-                <a:latin typeface="微软雅黑" panose="020B0503020204020204" pitchFamily="34" charset="-122"/>
-                <a:ea typeface="微软雅黑" panose="020B0503020204020204" pitchFamily="34" charset="-122"/>
-                <a:cs typeface="微软雅黑" panose="020B0503020204020204" pitchFamily="34" charset="-122"/>
-                <a:sym typeface="+mn-ea"/>
-              </a:rPr>
-              <a:t>      </a:t>
-            </a:r>
-            <a:r>
-              <a:rPr lang="zh-CN" altLang="en-US" sz="2000">
-                <a:solidFill>
-                  <a:srgbClr val="00B050"/>
-                </a:solidFill>
                 <a:effectLst>
                   <a:outerShdw blurRad="38100" dist="25400" dir="5400000" algn="ctr" rotWithShape="0">
                     <a:srgbClr val="6E747A">
@@ -22814,10 +22841,7 @@
               </a:rPr>
               <a:t>"""</a:t>
             </a:r>
-            <a:endParaRPr lang="zh-CN" altLang="en-US" sz="2000">
-              <a:solidFill>
-                <a:srgbClr val="00B050"/>
-              </a:solidFill>
+            <a:endParaRPr sz="2000">
               <a:effectLst>
                 <a:outerShdw blurRad="38100" dist="25400" dir="5400000" algn="ctr" rotWithShape="0">
                   <a:srgbClr val="6E747A">
@@ -22838,10 +22862,7 @@
               </a:lnSpc>
             </a:pPr>
             <a:r>
-              <a:rPr lang="zh-CN" altLang="en-US" sz="2000">
-                <a:solidFill>
-                  <a:srgbClr val="00B050"/>
-                </a:solidFill>
+              <a:rPr sz="2000">
                 <a:effectLst>
                   <a:outerShdw blurRad="38100" dist="25400" dir="5400000" algn="ctr" rotWithShape="0">
                     <a:srgbClr val="6E747A">
@@ -22854,12 +22875,9 @@
                 <a:cs typeface="微软雅黑" panose="020B0503020204020204" pitchFamily="34" charset="-122"/>
                 <a:sym typeface="+mn-ea"/>
               </a:rPr>
-              <a:t>        这是一个多行注释</a:t>
-            </a:r>
-            <a:endParaRPr lang="zh-CN" altLang="en-US" sz="2000">
-              <a:solidFill>
-                <a:srgbClr val="00B050"/>
-              </a:solidFill>
+              <a:t> 这是一个多行注释</a:t>
+            </a:r>
+            <a:endParaRPr sz="2000">
               <a:effectLst>
                 <a:outerShdw blurRad="38100" dist="25400" dir="5400000" algn="ctr" rotWithShape="0">
                   <a:srgbClr val="6E747A">
@@ -22880,10 +22898,7 @@
               </a:lnSpc>
             </a:pPr>
             <a:r>
-              <a:rPr lang="zh-CN" altLang="en-US" sz="2000">
-                <a:solidFill>
-                  <a:srgbClr val="00B050"/>
-                </a:solidFill>
+              <a:rPr sz="2000">
                 <a:effectLst>
                   <a:outerShdw blurRad="38100" dist="25400" dir="5400000" algn="ctr" rotWithShape="0">
                     <a:srgbClr val="6E747A">
@@ -22896,12 +22911,9 @@
                 <a:cs typeface="微软雅黑" panose="020B0503020204020204" pitchFamily="34" charset="-122"/>
                 <a:sym typeface="+mn-ea"/>
               </a:rPr>
-              <a:t>        在多行注释之间，可以写很多很多的内容……</a:t>
-            </a:r>
-            <a:endParaRPr lang="zh-CN" altLang="en-US" sz="2000">
-              <a:solidFill>
-                <a:srgbClr val="00B050"/>
-              </a:solidFill>
+              <a:t>  在多行注释之间，可以写很多很多的内容……</a:t>
+            </a:r>
+            <a:endParaRPr sz="2000">
               <a:effectLst>
                 <a:outerShdw blurRad="38100" dist="25400" dir="5400000" algn="ctr" rotWithShape="0">
                   <a:srgbClr val="6E747A">
@@ -22922,10 +22934,7 @@
               </a:lnSpc>
             </a:pPr>
             <a:r>
-              <a:rPr lang="zh-CN" altLang="en-US" sz="2000">
-                <a:solidFill>
-                  <a:srgbClr val="00B050"/>
-                </a:solidFill>
+              <a:rPr sz="2000">
                 <a:effectLst>
                   <a:outerShdw blurRad="38100" dist="25400" dir="5400000" algn="ctr" rotWithShape="0">
                     <a:srgbClr val="6E747A">
@@ -22938,12 +22947,9 @@
                 <a:cs typeface="微软雅黑" panose="020B0503020204020204" pitchFamily="34" charset="-122"/>
                 <a:sym typeface="+mn-ea"/>
               </a:rPr>
-              <a:t>      """ </a:t>
-            </a:r>
-            <a:endParaRPr lang="zh-CN" altLang="en-US" sz="2000">
-              <a:solidFill>
-                <a:srgbClr val="0070C0"/>
-              </a:solidFill>
+              <a:t>""" </a:t>
+            </a:r>
+            <a:endParaRPr sz="2000">
               <a:effectLst>
                 <a:outerShdw blurRad="38100" dist="25400" dir="5400000" algn="ctr" rotWithShape="0">
                   <a:srgbClr val="6E747A">
@@ -22964,7 +22970,7 @@
               </a:lnSpc>
             </a:pPr>
             <a:r>
-              <a:rPr lang="zh-CN" altLang="en-US" sz="2000">
+              <a:rPr sz="2000">
                 <a:effectLst>
                   <a:outerShdw blurRad="38100" dist="25400" dir="5400000" algn="ctr" rotWithShape="0">
                     <a:srgbClr val="6E747A">
@@ -22977,44 +22983,20 @@
                 <a:cs typeface="微软雅黑" panose="020B0503020204020204" pitchFamily="34" charset="-122"/>
                 <a:sym typeface="+mn-ea"/>
               </a:rPr>
-              <a:t>      print("hello python，</a:t>
-            </a:r>
-            <a:r>
-              <a:rPr lang="en-US" altLang="zh-CN" sz="2000">
-                <a:effectLst>
-                  <a:outerShdw blurRad="38100" dist="25400" dir="5400000" algn="ctr" rotWithShape="0">
-                    <a:srgbClr val="6E747A">
-                      <a:alpha val="43000"/>
-                    </a:srgbClr>
-                  </a:outerShdw>
-                </a:effectLst>
-                <a:latin typeface="微软雅黑" panose="020B0503020204020204" pitchFamily="34" charset="-122"/>
-                <a:ea typeface="微软雅黑" panose="020B0503020204020204" pitchFamily="34" charset="-122"/>
-                <a:cs typeface="微软雅黑" panose="020B0503020204020204" pitchFamily="34" charset="-122"/>
-                <a:sym typeface="+mn-ea"/>
-              </a:rPr>
-              <a:t>hello</a:t>
-            </a:r>
-            <a:r>
-              <a:rPr lang="zh-CN" altLang="en-US" sz="2000">
-                <a:effectLst>
-                  <a:outerShdw blurRad="38100" dist="25400" dir="5400000" algn="ctr" rotWithShape="0">
-                    <a:srgbClr val="6E747A">
-                      <a:alpha val="43000"/>
-                    </a:srgbClr>
-                  </a:outerShdw>
-                </a:effectLst>
-                <a:latin typeface="微软雅黑" panose="020B0503020204020204" pitchFamily="34" charset="-122"/>
-                <a:ea typeface="微软雅黑" panose="020B0503020204020204" pitchFamily="34" charset="-122"/>
-                <a:cs typeface="微软雅黑" panose="020B0503020204020204" pitchFamily="34" charset="-122"/>
-                <a:sym typeface="+mn-ea"/>
-              </a:rPr>
-              <a:t>")</a:t>
-            </a:r>
-            <a:endParaRPr lang="en-US" altLang="zh-CN" sz="2000">
-              <a:solidFill>
-                <a:schemeClr val="tx1"/>
-              </a:solidFill>
+              <a:t>print("hello python")</a:t>
+            </a:r>
+            <a:endParaRPr sz="2000">
+              <a:effectLst>
+                <a:outerShdw blurRad="38100" dist="25400" dir="5400000" algn="ctr" rotWithShape="0">
+                  <a:srgbClr val="6E747A">
+                    <a:alpha val="43000"/>
+                  </a:srgbClr>
+                </a:outerShdw>
+              </a:effectLst>
+              <a:latin typeface="微软雅黑" panose="020B0503020204020204" pitchFamily="34" charset="-122"/>
+              <a:ea typeface="微软雅黑" panose="020B0503020204020204" pitchFamily="34" charset="-122"/>
+              <a:cs typeface="微软雅黑" panose="020B0503020204020204" pitchFamily="34" charset="-122"/>
+              <a:sym typeface="+mn-ea"/>
             </a:endParaRPr>
           </a:p>
         </p:txBody>
